--- a/Process Design/Template process turtle ISO 9001-27001 - extended version.pptx
+++ b/Process Design/Template process turtle ISO 9001-27001 - extended version.pptx
@@ -184,10 +184,25 @@
   <pc:docChgLst>
     <pc:chgData name="Peter Geelen (Quest For Security)" userId="eb323b04-b7a4-41e4-a507-3152ca9a1546" providerId="ADAL" clId="{516CB6C7-15E4-481C-B98A-BB14D3E26E16}"/>
     <pc:docChg chg="delSld modSld sldOrd modSection">
-      <pc:chgData name="Peter Geelen (Quest For Security)" userId="eb323b04-b7a4-41e4-a507-3152ca9a1546" providerId="ADAL" clId="{516CB6C7-15E4-481C-B98A-BB14D3E26E16}" dt="2025-04-02T13:58:44.712" v="129" actId="20577"/>
+      <pc:chgData name="Peter Geelen (Quest For Security)" userId="eb323b04-b7a4-41e4-a507-3152ca9a1546" providerId="ADAL" clId="{516CB6C7-15E4-481C-B98A-BB14D3E26E16}" dt="2025-04-07T08:24:20.438" v="137" actId="20577"/>
       <pc:docMkLst>
         <pc:docMk/>
       </pc:docMkLst>
+      <pc:sldChg chg="modSp mod">
+        <pc:chgData name="Peter Geelen (Quest For Security)" userId="eb323b04-b7a4-41e4-a507-3152ca9a1546" providerId="ADAL" clId="{516CB6C7-15E4-481C-B98A-BB14D3E26E16}" dt="2025-04-07T08:24:20.438" v="137" actId="20577"/>
+        <pc:sldMkLst>
+          <pc:docMk/>
+          <pc:sldMk cId="3650618608" sldId="257"/>
+        </pc:sldMkLst>
+        <pc:spChg chg="mod">
+          <ac:chgData name="Peter Geelen (Quest For Security)" userId="eb323b04-b7a4-41e4-a507-3152ca9a1546" providerId="ADAL" clId="{516CB6C7-15E4-481C-B98A-BB14D3E26E16}" dt="2025-04-07T08:24:20.438" v="137" actId="20577"/>
+          <ac:spMkLst>
+            <pc:docMk/>
+            <pc:sldMk cId="3650618608" sldId="257"/>
+            <ac:spMk id="4" creationId="{00000000-0000-0000-0000-000000000000}"/>
+          </ac:spMkLst>
+        </pc:spChg>
+      </pc:sldChg>
       <pc:sldChg chg="modNotesTx">
         <pc:chgData name="Peter Geelen (Quest For Security)" userId="eb323b04-b7a4-41e4-a507-3152ca9a1546" providerId="ADAL" clId="{516CB6C7-15E4-481C-B98A-BB14D3E26E16}" dt="2025-04-02T13:58:44.712" v="129" actId="20577"/>
         <pc:sldMkLst>
@@ -208,6 +223,30 @@
           <pc:docMk/>
           <pc:sldMk cId="1055572277" sldId="277"/>
         </pc:sldMkLst>
+      </pc:sldChg>
+    </pc:docChg>
+  </pc:docChgLst>
+  <pc:docChgLst>
+    <pc:chgData name="Peter Geelen (Quest For Security)" userId="eb323b04-b7a4-41e4-a507-3152ca9a1546" providerId="ADAL" clId="{FAFA0B5F-3D13-4F0C-ABF7-01E15D55554D}"/>
+    <pc:docChg chg="modSld">
+      <pc:chgData name="Peter Geelen (Quest For Security)" userId="eb323b04-b7a4-41e4-a507-3152ca9a1546" providerId="ADAL" clId="{FAFA0B5F-3D13-4F0C-ABF7-01E15D55554D}" dt="2025-04-25T12:56:19.674" v="0" actId="20577"/>
+      <pc:docMkLst>
+        <pc:docMk/>
+      </pc:docMkLst>
+      <pc:sldChg chg="modSp mod">
+        <pc:chgData name="Peter Geelen (Quest For Security)" userId="eb323b04-b7a4-41e4-a507-3152ca9a1546" providerId="ADAL" clId="{FAFA0B5F-3D13-4F0C-ABF7-01E15D55554D}" dt="2025-04-25T12:56:19.674" v="0" actId="20577"/>
+        <pc:sldMkLst>
+          <pc:docMk/>
+          <pc:sldMk cId="3650618608" sldId="257"/>
+        </pc:sldMkLst>
+        <pc:spChg chg="mod">
+          <ac:chgData name="Peter Geelen (Quest For Security)" userId="eb323b04-b7a4-41e4-a507-3152ca9a1546" providerId="ADAL" clId="{FAFA0B5F-3D13-4F0C-ABF7-01E15D55554D}" dt="2025-04-25T12:56:19.674" v="0" actId="20577"/>
+          <ac:spMkLst>
+            <pc:docMk/>
+            <pc:sldMk cId="3650618608" sldId="257"/>
+            <ac:spMk id="4" creationId="{00000000-0000-0000-0000-000000000000}"/>
+          </ac:spMkLst>
+        </pc:spChg>
       </pc:sldChg>
     </pc:docChg>
   </pc:docChgLst>
@@ -296,7 +335,7 @@
           <a:p>
             <a:fld id="{DD1A59BE-6DE6-4B7B-9976-8CCA681B9C42}" type="datetimeFigureOut">
               <a:rPr lang="nl-BE" smtClean="0"/>
-              <a:t>2/04/2025</a:t>
+              <a:t>25/04/2025</a:t>
             </a:fld>
             <a:endParaRPr lang="nl-BE"/>
           </a:p>
@@ -1114,7 +1153,7 @@
             <a:fld id="{DEE1F808-0A66-4C85-9BFF-6DCAA00D77A3}" type="datetime1">
               <a:rPr lang="nl-BE" smtClean="0"/>
               <a:pPr/>
-              <a:t>2/04/2025</a:t>
+              <a:t>25/04/2025</a:t>
             </a:fld>
             <a:endParaRPr lang="nl-BE" dirty="0"/>
           </a:p>
@@ -1403,7 +1442,7 @@
           <a:p>
             <a:fld id="{B6A8799C-A2F5-44F4-85ED-4AEC24671F4A}" type="datetime1">
               <a:rPr lang="nl-BE" smtClean="0"/>
-              <a:t>2/04/2025</a:t>
+              <a:t>25/04/2025</a:t>
             </a:fld>
             <a:endParaRPr lang="nl-BE"/>
           </a:p>
@@ -1593,7 +1632,7 @@
           <a:p>
             <a:fld id="{69EB8A52-C994-4C05-97B7-01E47515BDD1}" type="datetime1">
               <a:rPr lang="nl-BE" smtClean="0"/>
-              <a:t>2/04/2025</a:t>
+              <a:t>25/04/2025</a:t>
             </a:fld>
             <a:endParaRPr lang="nl-BE"/>
           </a:p>
@@ -1766,7 +1805,7 @@
           <a:p>
             <a:fld id="{A4761A83-6CFC-442A-9DDA-2F79671A039E}" type="datetime1">
               <a:rPr lang="nl-BE" smtClean="0"/>
-              <a:t>2/04/2025</a:t>
+              <a:t>25/04/2025</a:t>
             </a:fld>
             <a:endParaRPr lang="nl-BE"/>
           </a:p>
@@ -2015,7 +2054,7 @@
           <a:p>
             <a:fld id="{3AD2EA86-BAC4-47C5-A96C-CDCA869BCFD5}" type="datetime1">
               <a:rPr lang="nl-BE" smtClean="0"/>
-              <a:t>2/04/2025</a:t>
+              <a:t>25/04/2025</a:t>
             </a:fld>
             <a:endParaRPr lang="nl-BE"/>
           </a:p>
@@ -2306,7 +2345,7 @@
           <a:p>
             <a:fld id="{5D06DF0C-A021-4BBD-89A2-408AE3A2F967}" type="datetime1">
               <a:rPr lang="nl-BE" smtClean="0"/>
-              <a:t>2/04/2025</a:t>
+              <a:t>25/04/2025</a:t>
             </a:fld>
             <a:endParaRPr lang="nl-BE"/>
           </a:p>
@@ -2731,7 +2770,7 @@
           <a:p>
             <a:fld id="{B09FEA2E-7CF2-4075-9373-732ED6A8FCD3}" type="datetime1">
               <a:rPr lang="nl-BE" smtClean="0"/>
-              <a:t>2/04/2025</a:t>
+              <a:t>25/04/2025</a:t>
             </a:fld>
             <a:endParaRPr lang="nl-BE"/>
           </a:p>
@@ -2852,7 +2891,7 @@
           <a:p>
             <a:fld id="{98DE15CB-BCDC-4B76-8F13-C172670ED1E3}" type="datetime1">
               <a:rPr lang="nl-BE" smtClean="0"/>
-              <a:t>2/04/2025</a:t>
+              <a:t>25/04/2025</a:t>
             </a:fld>
             <a:endParaRPr lang="nl-BE"/>
           </a:p>
@@ -2950,7 +2989,7 @@
           <a:p>
             <a:fld id="{5980B512-CD74-4E9C-AD91-F05E3805EAD2}" type="datetime1">
               <a:rPr lang="nl-BE" smtClean="0"/>
-              <a:t>2/04/2025</a:t>
+              <a:t>25/04/2025</a:t>
             </a:fld>
             <a:endParaRPr lang="nl-BE"/>
           </a:p>
@@ -3230,7 +3269,7 @@
           <a:p>
             <a:fld id="{75C63373-5D0E-45E2-959C-B07637A6AC9E}" type="datetime1">
               <a:rPr lang="nl-BE" smtClean="0"/>
-              <a:t>2/04/2025</a:t>
+              <a:t>25/04/2025</a:t>
             </a:fld>
             <a:endParaRPr lang="nl-BE"/>
           </a:p>
@@ -3486,7 +3525,7 @@
           <a:p>
             <a:fld id="{46EE6364-8B1D-4CCB-8CBE-1612806AC3A7}" type="datetime1">
               <a:rPr lang="nl-BE" smtClean="0"/>
-              <a:t>2/04/2025</a:t>
+              <a:t>25/04/2025</a:t>
             </a:fld>
             <a:endParaRPr lang="nl-BE"/>
           </a:p>
@@ -3702,7 +3741,7 @@
           <a:p>
             <a:fld id="{A35B83D3-BD9A-459F-B101-3D51183EAF79}" type="datetime1">
               <a:rPr lang="nl-BE" smtClean="0"/>
-              <a:t>2/04/2025</a:t>
+              <a:t>25/04/2025</a:t>
             </a:fld>
             <a:endParaRPr lang="nl-BE"/>
           </a:p>
@@ -4161,34 +4200,8 @@
             <a:pPr algn="ctr"/>
             <a:r>
               <a:rPr lang="nl-BE" b="1" dirty="0"/>
-              <a:t>Yoga</a:t>
-            </a:r>
-            <a:br>
-              <a:rPr lang="nl-BE" b="1" dirty="0"/>
-            </a:br>
-            <a:r>
-              <a:rPr lang="nl-BE" b="1" dirty="0" err="1"/>
-              <a:t>Yoga</a:t>
-            </a:r>
-            <a:r>
-              <a:rPr lang="nl-BE" b="1" dirty="0"/>
-              <a:t> Trips</a:t>
-            </a:r>
-          </a:p>
-          <a:p>
-            <a:pPr algn="ctr"/>
-            <a:r>
-              <a:rPr lang="nl-BE" b="1" dirty="0"/>
-              <a:t>Yoga Coaching </a:t>
-            </a:r>
-            <a:r>
-              <a:rPr lang="nl-BE" b="1" dirty="0" err="1"/>
-              <a:t>session</a:t>
-            </a:r>
-            <a:endParaRPr lang="nl-BE" b="1" dirty="0"/>
-          </a:p>
-          <a:p>
-            <a:pPr algn="ctr"/>
+              <a:t>Activity</a:t>
+            </a:r>
             <a:endParaRPr lang="nl-BE" dirty="0"/>
           </a:p>
         </p:txBody>
@@ -10237,17 +10250,6 @@
 </file>
 
 <file path=customXml/item1.xml><?xml version="1.0" encoding="utf-8"?>
-<p:properties xmlns:p="http://schemas.microsoft.com/office/2006/metadata/properties" xmlns:xsi="http://www.w3.org/2001/XMLSchema-instance" xmlns:pc="http://schemas.microsoft.com/office/infopath/2007/PartnerControls">
-  <documentManagement>
-    <TaxCatchAll xmlns="327ed9c4-8018-4775-99d2-218cd5901713" xsi:nil="true"/>
-    <lcf76f155ced4ddcb4097134ff3c332f xmlns="01018924-18c9-490c-a472-ef3f02dc6cb8">
-      <Terms xmlns="http://schemas.microsoft.com/office/infopath/2007/PartnerControls"/>
-    </lcf76f155ced4ddcb4097134ff3c332f>
-  </documentManagement>
-</p:properties>
-</file>
-
-<file path=customXml/item2.xml><?xml version="1.0" encoding="utf-8"?>
 <?mso-contentType ?>
 <FormTemplates xmlns="http://schemas.microsoft.com/sharepoint/v3/contenttype/forms">
   <Display>DocumentLibraryForm</Display>
@@ -10256,7 +10258,7 @@
 </FormTemplates>
 </file>
 
-<file path=customXml/item3.xml><?xml version="1.0" encoding="utf-8"?>
+<file path=customXml/item2.xml><?xml version="1.0" encoding="utf-8"?>
 <ct:contentTypeSchema xmlns:ct="http://schemas.microsoft.com/office/2006/metadata/contentType" xmlns:ma="http://schemas.microsoft.com/office/2006/metadata/properties/metaAttributes" ct:_="" ma:_="" ma:contentTypeName="Document" ma:contentTypeID="0x010100F785F7B290D75447B7BDDD59D2E8AE76" ma:contentTypeVersion="10" ma:contentTypeDescription="Create a new document." ma:contentTypeScope="" ma:versionID="c3669daea610738e51fee500fa755a07">
   <xsd:schema xmlns:xsd="http://www.w3.org/2001/XMLSchema" xmlns:xs="http://www.w3.org/2001/XMLSchema" xmlns:p="http://schemas.microsoft.com/office/2006/metadata/properties" xmlns:ns2="01018924-18c9-490c-a472-ef3f02dc6cb8" xmlns:ns3="327ed9c4-8018-4775-99d2-218cd5901713" targetNamespace="http://schemas.microsoft.com/office/2006/metadata/properties" ma:root="true" ma:fieldsID="9d39998f5c2f3885e53b9b82be99b159" ns2:_="" ns3:_="">
     <xsd:import namespace="01018924-18c9-490c-a472-ef3f02dc6cb8"/>
@@ -10445,24 +10447,18 @@
 </ct:contentTypeSchema>
 </file>
 
-<file path=customXml/itemProps1.xml><?xml version="1.0" encoding="utf-8"?>
-<ds:datastoreItem xmlns:ds="http://schemas.openxmlformats.org/officeDocument/2006/customXml" ds:itemID="{36B2F8D8-997F-4255-86C9-AF8936DEB535}">
-  <ds:schemaRefs>
-    <ds:schemaRef ds:uri="http://purl.org/dc/dcmitype/"/>
-    <ds:schemaRef ds:uri="http://schemas.microsoft.com/office/2006/documentManagement/types"/>
-    <ds:schemaRef ds:uri="01018924-18c9-490c-a472-ef3f02dc6cb8"/>
-    <ds:schemaRef ds:uri="http://schemas.microsoft.com/office/2006/metadata/properties"/>
-    <ds:schemaRef ds:uri="http://schemas.microsoft.com/office/infopath/2007/PartnerControls"/>
-    <ds:schemaRef ds:uri="http://purl.org/dc/elements/1.1/"/>
-    <ds:schemaRef ds:uri="http://purl.org/dc/terms/"/>
-    <ds:schemaRef ds:uri="http://schemas.openxmlformats.org/package/2006/metadata/core-properties"/>
-    <ds:schemaRef ds:uri="327ed9c4-8018-4775-99d2-218cd5901713"/>
-    <ds:schemaRef ds:uri="http://www.w3.org/XML/1998/namespace"/>
-  </ds:schemaRefs>
-</ds:datastoreItem>
+<file path=customXml/item3.xml><?xml version="1.0" encoding="utf-8"?>
+<p:properties xmlns:p="http://schemas.microsoft.com/office/2006/metadata/properties" xmlns:xsi="http://www.w3.org/2001/XMLSchema-instance" xmlns:pc="http://schemas.microsoft.com/office/infopath/2007/PartnerControls">
+  <documentManagement>
+    <TaxCatchAll xmlns="327ed9c4-8018-4775-99d2-218cd5901713" xsi:nil="true"/>
+    <lcf76f155ced4ddcb4097134ff3c332f xmlns="01018924-18c9-490c-a472-ef3f02dc6cb8">
+      <Terms xmlns="http://schemas.microsoft.com/office/infopath/2007/PartnerControls"/>
+    </lcf76f155ced4ddcb4097134ff3c332f>
+  </documentManagement>
+</p:properties>
 </file>
 
-<file path=customXml/itemProps2.xml><?xml version="1.0" encoding="utf-8"?>
+<file path=customXml/itemProps1.xml><?xml version="1.0" encoding="utf-8"?>
 <ds:datastoreItem xmlns:ds="http://schemas.openxmlformats.org/officeDocument/2006/customXml" ds:itemID="{0F8EFDE6-98CD-4C74-B689-0ABD2742C740}">
   <ds:schemaRefs>
     <ds:schemaRef ds:uri="http://schemas.microsoft.com/sharepoint/v3/contenttype/forms"/>
@@ -10470,7 +10466,7 @@
 </ds:datastoreItem>
 </file>
 
-<file path=customXml/itemProps3.xml><?xml version="1.0" encoding="utf-8"?>
+<file path=customXml/itemProps2.xml><?xml version="1.0" encoding="utf-8"?>
 <ds:datastoreItem xmlns:ds="http://schemas.openxmlformats.org/officeDocument/2006/customXml" ds:itemID="{AF2BB730-448F-47C8-9E4A-CEBB02578C71}">
   <ds:schemaRefs>
     <ds:schemaRef ds:uri="http://schemas.microsoft.com/office/2006/metadata/contentType"/>
@@ -10487,4 +10483,21 @@
     <ds:schemaRef ds:uri="http://schemas.microsoft.com/internal/obd"/>
   </ds:schemaRefs>
 </ds:datastoreItem>
+</file>
+
+<file path=customXml/itemProps3.xml><?xml version="1.0" encoding="utf-8"?>
+<ds:datastoreItem xmlns:ds="http://schemas.openxmlformats.org/officeDocument/2006/customXml" ds:itemID="{36B2F8D8-997F-4255-86C9-AF8936DEB535}">
+  <ds:schemaRefs>
+    <ds:schemaRef ds:uri="http://purl.org/dc/dcmitype/"/>
+    <ds:schemaRef ds:uri="http://schemas.microsoft.com/office/2006/documentManagement/types"/>
+    <ds:schemaRef ds:uri="01018924-18c9-490c-a472-ef3f02dc6cb8"/>
+    <ds:schemaRef ds:uri="http://schemas.microsoft.com/office/2006/metadata/properties"/>
+    <ds:schemaRef ds:uri="http://schemas.microsoft.com/office/infopath/2007/PartnerControls"/>
+    <ds:schemaRef ds:uri="http://purl.org/dc/elements/1.1/"/>
+    <ds:schemaRef ds:uri="http://purl.org/dc/terms/"/>
+    <ds:schemaRef ds:uri="http://schemas.openxmlformats.org/package/2006/metadata/core-properties"/>
+    <ds:schemaRef ds:uri="327ed9c4-8018-4775-99d2-218cd5901713"/>
+    <ds:schemaRef ds:uri="http://www.w3.org/XML/1998/namespace"/>
+  </ds:schemaRefs>
+</ds:datastoreItem>
 </file>